--- a/doc/Talent5OpenPoseWeek3.pptx
+++ b/doc/Talent5OpenPoseWeek3.pptx
@@ -5,7 +5,7 @@
     <p:sldMasterId id="2147483648" r:id="rId1"/>
   </p:sldMasterIdLst>
   <p:notesMasterIdLst>
-    <p:notesMasterId r:id="rId14"/>
+    <p:notesMasterId r:id="rId13"/>
   </p:notesMasterIdLst>
   <p:sldIdLst>
     <p:sldId id="256" r:id="rId2"/>
@@ -14,12 +14,11 @@
     <p:sldId id="278" r:id="rId5"/>
     <p:sldId id="275" r:id="rId6"/>
     <p:sldId id="276" r:id="rId7"/>
-    <p:sldId id="281" r:id="rId8"/>
+    <p:sldId id="279" r:id="rId8"/>
     <p:sldId id="280" r:id="rId9"/>
     <p:sldId id="273" r:id="rId10"/>
     <p:sldId id="282" r:id="rId11"/>
     <p:sldId id="261" r:id="rId12"/>
-    <p:sldId id="279" r:id="rId13"/>
   </p:sldIdLst>
   <p:sldSz cx="12192000" cy="6858000"/>
   <p:notesSz cx="6858000" cy="9144000"/>
@@ -4848,160 +4847,6 @@
 </p:sld>
 </file>
 
-<file path=ppt/slides/slide12.xml><?xml version="1.0" encoding="utf-8"?>
-<p:sld xmlns:a="http://schemas.openxmlformats.org/drawingml/2006/main" xmlns:r="http://schemas.openxmlformats.org/officeDocument/2006/relationships" xmlns:p="http://schemas.openxmlformats.org/presentationml/2006/main">
-  <p:cSld>
-    <p:spTree>
-      <p:nvGrpSpPr>
-        <p:cNvPr id="1" name=""/>
-        <p:cNvGrpSpPr/>
-        <p:nvPr/>
-      </p:nvGrpSpPr>
-      <p:grpSpPr>
-        <a:xfrm>
-          <a:off x="0" y="0"/>
-          <a:ext cx="0" cy="0"/>
-          <a:chOff x="0" y="0"/>
-          <a:chExt cx="0" cy="0"/>
-        </a:xfrm>
-      </p:grpSpPr>
-      <p:sp>
-        <p:nvSpPr>
-          <p:cNvPr id="2" name="タイトル 1">
-            <a:extLst>
-              <a:ext uri="{FF2B5EF4-FFF2-40B4-BE49-F238E27FC236}">
-                <a16:creationId xmlns:a16="http://schemas.microsoft.com/office/drawing/2014/main" id="{5AC4C01B-44EA-46D6-9197-AF37DA967519}"/>
-              </a:ext>
-            </a:extLst>
-          </p:cNvPr>
-          <p:cNvSpPr>
-            <a:spLocks noGrp="1"/>
-          </p:cNvSpPr>
-          <p:nvPr>
-            <p:ph type="title"/>
-          </p:nvPr>
-        </p:nvSpPr>
-        <p:spPr/>
-        <p:txBody>
-          <a:bodyPr/>
-          <a:lstStyle/>
-          <a:p>
-            <a:r>
-              <a:rPr lang="en-US" altLang="ja-JP" dirty="0" err="1"/>
-              <a:t>Cùng</a:t>
-            </a:r>
-            <a:r>
-              <a:rPr lang="en-US" altLang="ja-JP" dirty="0"/>
-              <a:t> </a:t>
-            </a:r>
-            <a:r>
-              <a:rPr lang="en-US" altLang="ja-JP" dirty="0" err="1"/>
-              <a:t>tìm</a:t>
-            </a:r>
-            <a:r>
-              <a:rPr lang="en-US" altLang="ja-JP" dirty="0"/>
-              <a:t> </a:t>
-            </a:r>
-            <a:r>
-              <a:rPr lang="en-US" altLang="ja-JP" dirty="0" err="1"/>
-              <a:t>hiểu</a:t>
-            </a:r>
-            <a:r>
-              <a:rPr lang="en-US" altLang="ja-JP" dirty="0"/>
-              <a:t> </a:t>
-            </a:r>
-            <a:r>
-              <a:rPr lang="en-US" altLang="ja-JP" dirty="0" err="1"/>
-              <a:t>về</a:t>
-            </a:r>
-            <a:r>
-              <a:rPr lang="en-US" altLang="ja-JP" dirty="0"/>
-              <a:t> pose estimation</a:t>
-            </a:r>
-            <a:endParaRPr kumimoji="1" lang="ja-JP" altLang="en-US" dirty="0"/>
-          </a:p>
-        </p:txBody>
-      </p:sp>
-      <p:sp>
-        <p:nvSpPr>
-          <p:cNvPr id="3" name="コンテンツ プレースホルダー 2">
-            <a:extLst>
-              <a:ext uri="{FF2B5EF4-FFF2-40B4-BE49-F238E27FC236}">
-                <a16:creationId xmlns:a16="http://schemas.microsoft.com/office/drawing/2014/main" id="{D71A3E03-7038-4D49-AD91-34F96BFA6019}"/>
-              </a:ext>
-            </a:extLst>
-          </p:cNvPr>
-          <p:cNvSpPr>
-            <a:spLocks noGrp="1"/>
-          </p:cNvSpPr>
-          <p:nvPr>
-            <p:ph idx="1"/>
-          </p:nvPr>
-        </p:nvSpPr>
-        <p:spPr>
-          <a:xfrm>
-            <a:off x="838200" y="1464898"/>
-            <a:ext cx="10515600" cy="4351338"/>
-          </a:xfrm>
-        </p:spPr>
-        <p:txBody>
-          <a:bodyPr/>
-          <a:lstStyle/>
-          <a:p>
-            <a:pPr marL="0" indent="0">
-              <a:buNone/>
-            </a:pPr>
-            <a:r>
-              <a:rPr kumimoji="1" lang="en-US" altLang="ja-JP" dirty="0"/>
-              <a:t>https://paperswithcode.com/task/pose-estimation</a:t>
-            </a:r>
-            <a:endParaRPr kumimoji="1" lang="ja-JP" altLang="en-US" dirty="0"/>
-          </a:p>
-        </p:txBody>
-      </p:sp>
-      <p:pic>
-        <p:nvPicPr>
-          <p:cNvPr id="5" name="図 4">
-            <a:extLst>
-              <a:ext uri="{FF2B5EF4-FFF2-40B4-BE49-F238E27FC236}">
-                <a16:creationId xmlns:a16="http://schemas.microsoft.com/office/drawing/2014/main" id="{56E86D82-1AC0-420D-A406-F09BAEBF3F7E}"/>
-              </a:ext>
-            </a:extLst>
-          </p:cNvPr>
-          <p:cNvPicPr>
-            <a:picLocks noChangeAspect="1"/>
-          </p:cNvPicPr>
-          <p:nvPr/>
-        </p:nvPicPr>
-        <p:blipFill>
-          <a:blip r:embed="rId2"/>
-          <a:stretch>
-            <a:fillRect/>
-          </a:stretch>
-        </p:blipFill>
-        <p:spPr>
-          <a:xfrm>
-            <a:off x="402671" y="2187519"/>
-            <a:ext cx="9814681" cy="3981055"/>
-          </a:xfrm>
-          <a:prstGeom prst="rect">
-            <a:avLst/>
-          </a:prstGeom>
-        </p:spPr>
-      </p:pic>
-    </p:spTree>
-    <p:extLst>
-      <p:ext uri="{BB962C8B-B14F-4D97-AF65-F5344CB8AC3E}">
-        <p14:creationId xmlns:p14="http://schemas.microsoft.com/office/powerpoint/2010/main" val="3128253883"/>
-      </p:ext>
-    </p:extLst>
-  </p:cSld>
-  <p:clrMapOvr>
-    <a:masterClrMapping/>
-  </p:clrMapOvr>
-</p:sld>
-</file>
-
 <file path=ppt/slides/slide2.xml><?xml version="1.0" encoding="utf-8"?>
 <p:sld xmlns:a="http://schemas.openxmlformats.org/drawingml/2006/main" xmlns:r="http://schemas.openxmlformats.org/officeDocument/2006/relationships" xmlns:p="http://schemas.openxmlformats.org/presentationml/2006/main">
   <p:cSld>
@@ -5910,12 +5755,106 @@
           <a:chExt cx="0" cy="0"/>
         </a:xfrm>
       </p:grpSpPr>
+      <p:sp>
+        <p:nvSpPr>
+          <p:cNvPr id="2" name="タイトル 1">
+            <a:extLst>
+              <a:ext uri="{FF2B5EF4-FFF2-40B4-BE49-F238E27FC236}">
+                <a16:creationId xmlns:a16="http://schemas.microsoft.com/office/drawing/2014/main" id="{5AC4C01B-44EA-46D6-9197-AF37DA967519}"/>
+              </a:ext>
+            </a:extLst>
+          </p:cNvPr>
+          <p:cNvSpPr>
+            <a:spLocks noGrp="1"/>
+          </p:cNvSpPr>
+          <p:nvPr>
+            <p:ph type="title"/>
+          </p:nvPr>
+        </p:nvSpPr>
+        <p:spPr/>
+        <p:txBody>
+          <a:bodyPr/>
+          <a:lstStyle/>
+          <a:p>
+            <a:r>
+              <a:rPr lang="en-US" altLang="ja-JP" dirty="0" err="1"/>
+              <a:t>Cùng</a:t>
+            </a:r>
+            <a:r>
+              <a:rPr lang="en-US" altLang="ja-JP" dirty="0"/>
+              <a:t> </a:t>
+            </a:r>
+            <a:r>
+              <a:rPr lang="en-US" altLang="ja-JP" dirty="0" err="1"/>
+              <a:t>tìm</a:t>
+            </a:r>
+            <a:r>
+              <a:rPr lang="en-US" altLang="ja-JP" dirty="0"/>
+              <a:t> </a:t>
+            </a:r>
+            <a:r>
+              <a:rPr lang="en-US" altLang="ja-JP" dirty="0" err="1"/>
+              <a:t>hiểu</a:t>
+            </a:r>
+            <a:r>
+              <a:rPr lang="en-US" altLang="ja-JP" dirty="0"/>
+              <a:t> </a:t>
+            </a:r>
+            <a:r>
+              <a:rPr lang="en-US" altLang="ja-JP" dirty="0" err="1"/>
+              <a:t>về</a:t>
+            </a:r>
+            <a:r>
+              <a:rPr lang="en-US" altLang="ja-JP" dirty="0"/>
+              <a:t> pose estimation</a:t>
+            </a:r>
+            <a:endParaRPr kumimoji="1" lang="ja-JP" altLang="en-US" dirty="0"/>
+          </a:p>
+        </p:txBody>
+      </p:sp>
+      <p:sp>
+        <p:nvSpPr>
+          <p:cNvPr id="3" name="コンテンツ プレースホルダー 2">
+            <a:extLst>
+              <a:ext uri="{FF2B5EF4-FFF2-40B4-BE49-F238E27FC236}">
+                <a16:creationId xmlns:a16="http://schemas.microsoft.com/office/drawing/2014/main" id="{D71A3E03-7038-4D49-AD91-34F96BFA6019}"/>
+              </a:ext>
+            </a:extLst>
+          </p:cNvPr>
+          <p:cNvSpPr>
+            <a:spLocks noGrp="1"/>
+          </p:cNvSpPr>
+          <p:nvPr>
+            <p:ph idx="1"/>
+          </p:nvPr>
+        </p:nvSpPr>
+        <p:spPr>
+          <a:xfrm>
+            <a:off x="838200" y="1464898"/>
+            <a:ext cx="10515600" cy="4351338"/>
+          </a:xfrm>
+        </p:spPr>
+        <p:txBody>
+          <a:bodyPr/>
+          <a:lstStyle/>
+          <a:p>
+            <a:pPr marL="0" indent="0">
+              <a:buNone/>
+            </a:pPr>
+            <a:r>
+              <a:rPr kumimoji="1" lang="en-US" altLang="ja-JP" dirty="0"/>
+              <a:t>https://paperswithcode.com/task/pose-estimation</a:t>
+            </a:r>
+            <a:endParaRPr kumimoji="1" lang="ja-JP" altLang="en-US" dirty="0"/>
+          </a:p>
+        </p:txBody>
+      </p:sp>
       <p:pic>
         <p:nvPicPr>
           <p:cNvPr id="5" name="図 4">
             <a:extLst>
               <a:ext uri="{FF2B5EF4-FFF2-40B4-BE49-F238E27FC236}">
-                <a16:creationId xmlns:a16="http://schemas.microsoft.com/office/drawing/2014/main" id="{BE04AE35-D258-4B48-8C32-D51CC77A4530}"/>
+                <a16:creationId xmlns:a16="http://schemas.microsoft.com/office/drawing/2014/main" id="{56E86D82-1AC0-420D-A406-F09BAEBF3F7E}"/>
               </a:ext>
             </a:extLst>
           </p:cNvPr>
@@ -5932,8 +5871,8 @@
         </p:blipFill>
         <p:spPr>
           <a:xfrm>
-            <a:off x="870997" y="1117299"/>
-            <a:ext cx="6344535" cy="4772691"/>
+            <a:off x="402671" y="2187519"/>
+            <a:ext cx="9814681" cy="3981055"/>
           </a:xfrm>
           <a:prstGeom prst="rect">
             <a:avLst/>
@@ -5943,7 +5882,7 @@
     </p:spTree>
     <p:extLst>
       <p:ext uri="{BB962C8B-B14F-4D97-AF65-F5344CB8AC3E}">
-        <p14:creationId xmlns:p14="http://schemas.microsoft.com/office/powerpoint/2010/main" val="1242515457"/>
+        <p14:creationId xmlns:p14="http://schemas.microsoft.com/office/powerpoint/2010/main" val="3128253883"/>
       </p:ext>
     </p:extLst>
   </p:cSld>
@@ -6138,8 +6077,13 @@
             <a:pPr lvl="2"/>
             <a:r>
               <a:rPr kumimoji="1" lang="en-US" altLang="ja-JP" dirty="0"/>
-              <a:t>VGG -&gt; Resnet</a:t>
-            </a:r>
+              <a:t>VGG -&gt; Resnet, </a:t>
+            </a:r>
+            <a:r>
+              <a:rPr kumimoji="1" lang="en-US" altLang="ja-JP" dirty="0" err="1"/>
+              <a:t>Xception</a:t>
+            </a:r>
+            <a:endParaRPr kumimoji="1" lang="en-US" altLang="ja-JP" dirty="0"/>
           </a:p>
           <a:p>
             <a:pPr lvl="1"/>

--- a/doc/Talent5OpenPoseWeek3.pptx
+++ b/doc/Talent5OpenPoseWeek3.pptx
@@ -5,7 +5,7 @@
     <p:sldMasterId id="2147483648" r:id="rId1"/>
   </p:sldMasterIdLst>
   <p:notesMasterIdLst>
-    <p:notesMasterId r:id="rId13"/>
+    <p:notesMasterId r:id="rId14"/>
   </p:notesMasterIdLst>
   <p:sldIdLst>
     <p:sldId id="256" r:id="rId2"/>
@@ -17,8 +17,9 @@
     <p:sldId id="279" r:id="rId8"/>
     <p:sldId id="280" r:id="rId9"/>
     <p:sldId id="273" r:id="rId10"/>
-    <p:sldId id="282" r:id="rId11"/>
-    <p:sldId id="261" r:id="rId12"/>
+    <p:sldId id="283" r:id="rId11"/>
+    <p:sldId id="282" r:id="rId12"/>
+    <p:sldId id="261" r:id="rId13"/>
   </p:sldIdLst>
   <p:sldSz cx="12192000" cy="6858000"/>
   <p:notesSz cx="6858000" cy="9144000"/>
@@ -4136,7 +4137,7 @@
           <p:cNvPr id="2" name="タイトル 1">
             <a:extLst>
               <a:ext uri="{FF2B5EF4-FFF2-40B4-BE49-F238E27FC236}">
-                <a16:creationId xmlns:a16="http://schemas.microsoft.com/office/drawing/2014/main" id="{623A6F44-362E-481B-B72F-0B71508BFE3A}"/>
+                <a16:creationId xmlns:a16="http://schemas.microsoft.com/office/drawing/2014/main" id="{BEC15AB4-FF01-410F-8ABE-A121B7A1A8F1}"/>
               </a:ext>
             </a:extLst>
           </p:cNvPr>
@@ -4153,48 +4154,8 @@
           <a:lstStyle/>
           <a:p>
             <a:r>
-              <a:rPr kumimoji="1" lang="en-US" altLang="ja-JP" dirty="0" err="1"/>
-              <a:t>Cùng</a:t>
-            </a:r>
-            <a:r>
               <a:rPr kumimoji="1" lang="en-US" altLang="ja-JP" dirty="0"/>
-              <a:t> </a:t>
-            </a:r>
-            <a:r>
-              <a:rPr kumimoji="1" lang="en-US" altLang="ja-JP" dirty="0" err="1"/>
-              <a:t>suy</a:t>
-            </a:r>
-            <a:r>
-              <a:rPr kumimoji="1" lang="en-US" altLang="ja-JP" dirty="0"/>
-              <a:t> </a:t>
-            </a:r>
-            <a:r>
-              <a:rPr kumimoji="1" lang="en-US" altLang="ja-JP" dirty="0" err="1"/>
-              <a:t>nghĩ</a:t>
-            </a:r>
-            <a:r>
-              <a:rPr kumimoji="1" lang="en-US" altLang="ja-JP" dirty="0"/>
-              <a:t> </a:t>
-            </a:r>
-            <a:r>
-              <a:rPr kumimoji="1" lang="en-US" altLang="ja-JP" dirty="0" err="1"/>
-              <a:t>về</a:t>
-            </a:r>
-            <a:r>
-              <a:rPr kumimoji="1" lang="en-US" altLang="ja-JP" dirty="0"/>
-              <a:t> application </a:t>
-            </a:r>
-            <a:r>
-              <a:rPr kumimoji="1" lang="en-US" altLang="ja-JP" dirty="0" err="1"/>
-              <a:t>cho</a:t>
-            </a:r>
-            <a:r>
-              <a:rPr kumimoji="1" lang="en-US" altLang="ja-JP" dirty="0"/>
-              <a:t> </a:t>
-            </a:r>
-            <a:r>
-              <a:rPr kumimoji="1" lang="en-US" altLang="ja-JP" dirty="0" err="1"/>
-              <a:t>openpose</a:t>
+              <a:t>Brain Storm</a:t>
             </a:r>
             <a:endParaRPr kumimoji="1" lang="ja-JP" altLang="en-US" dirty="0"/>
           </a:p>
@@ -4205,7 +4166,7 @@
           <p:cNvPr id="3" name="コンテンツ プレースホルダー 2">
             <a:extLst>
               <a:ext uri="{FF2B5EF4-FFF2-40B4-BE49-F238E27FC236}">
-                <a16:creationId xmlns:a16="http://schemas.microsoft.com/office/drawing/2014/main" id="{83CE4B54-AB28-48B9-A9D0-9FFB2CA68B99}"/>
+                <a16:creationId xmlns:a16="http://schemas.microsoft.com/office/drawing/2014/main" id="{B9949F14-926A-4907-84D5-C1D24A1EF255}"/>
               </a:ext>
             </a:extLst>
           </p:cNvPr>
@@ -4223,27 +4184,392 @@
           <a:p>
             <a:r>
               <a:rPr lang="en-US" altLang="ja-JP" dirty="0" err="1"/>
-              <a:t>Muốn</a:t>
-            </a:r>
-            <a:r>
-              <a:rPr lang="en-US" altLang="ja-JP" dirty="0"/>
-              <a:t> detect </a:t>
-            </a:r>
-            <a:r>
-              <a:rPr lang="en-US" altLang="ja-JP" dirty="0" err="1"/>
-              <a:t>xem</a:t>
-            </a:r>
-            <a:r>
-              <a:rPr lang="en-US" altLang="ja-JP" dirty="0"/>
-              <a:t> </a:t>
-            </a:r>
-            <a:r>
-              <a:rPr lang="en-US" altLang="ja-JP" dirty="0" err="1"/>
-              <a:t>trong</a:t>
-            </a:r>
-            <a:r>
-              <a:rPr lang="en-US" altLang="ja-JP" dirty="0"/>
-              <a:t> video </a:t>
+              <a:t>Xây</a:t>
+            </a:r>
+            <a:r>
+              <a:rPr lang="en-US" altLang="ja-JP" dirty="0"/>
+              <a:t> </a:t>
+            </a:r>
+            <a:r>
+              <a:rPr lang="en-US" altLang="ja-JP" dirty="0" err="1"/>
+              <a:t>dựng</a:t>
+            </a:r>
+            <a:r>
+              <a:rPr lang="en-US" altLang="ja-JP" dirty="0"/>
+              <a:t> </a:t>
+            </a:r>
+            <a:r>
+              <a:rPr lang="en-US" altLang="ja-JP" dirty="0" err="1"/>
+              <a:t>hệ</a:t>
+            </a:r>
+            <a:r>
+              <a:rPr lang="en-US" altLang="ja-JP" dirty="0"/>
+              <a:t> </a:t>
+            </a:r>
+            <a:r>
+              <a:rPr lang="en-US" altLang="ja-JP" dirty="0" err="1"/>
+              <a:t>thống</a:t>
+            </a:r>
+            <a:r>
+              <a:rPr lang="en-US" altLang="ja-JP" dirty="0"/>
+              <a:t> </a:t>
+            </a:r>
+            <a:r>
+              <a:rPr lang="en-US" altLang="ja-JP" dirty="0" err="1"/>
+              <a:t>động</a:t>
+            </a:r>
+            <a:r>
+              <a:rPr lang="en-US" altLang="ja-JP" dirty="0"/>
+              <a:t> </a:t>
+            </a:r>
+            <a:r>
+              <a:rPr lang="en-US" altLang="ja-JP" dirty="0" err="1"/>
+              <a:t>tác</a:t>
+            </a:r>
+            <a:r>
+              <a:rPr lang="en-US" altLang="ja-JP" dirty="0"/>
+              <a:t> </a:t>
+            </a:r>
+            <a:r>
+              <a:rPr lang="en-US" altLang="ja-JP" dirty="0" err="1"/>
+              <a:t>thể</a:t>
+            </a:r>
+            <a:r>
+              <a:rPr lang="en-US" altLang="ja-JP" dirty="0"/>
+              <a:t> </a:t>
+            </a:r>
+            <a:r>
+              <a:rPr lang="en-US" altLang="ja-JP" dirty="0" err="1"/>
+              <a:t>dục</a:t>
+            </a:r>
+            <a:r>
+              <a:rPr lang="en-US" altLang="ja-JP" dirty="0"/>
+              <a:t> </a:t>
+            </a:r>
+            <a:r>
+              <a:rPr lang="en-US" altLang="ja-JP" dirty="0" err="1"/>
+              <a:t>đúng</a:t>
+            </a:r>
+            <a:r>
+              <a:rPr lang="en-US" altLang="ja-JP" dirty="0"/>
+              <a:t> hay </a:t>
+            </a:r>
+            <a:r>
+              <a:rPr lang="en-US" altLang="ja-JP" dirty="0" err="1"/>
+              <a:t>sai</a:t>
+            </a:r>
+            <a:r>
+              <a:rPr lang="ja-JP" altLang="en-US" dirty="0"/>
+              <a:t> </a:t>
+            </a:r>
+            <a:r>
+              <a:rPr lang="en-US" altLang="ja-JP" dirty="0"/>
+              <a:t>(</a:t>
+            </a:r>
+            <a:r>
+              <a:rPr lang="en-US" altLang="ja-JP" dirty="0" err="1"/>
+              <a:t>Chính</a:t>
+            </a:r>
+            <a:r>
+              <a:rPr lang="en-US" altLang="ja-JP" dirty="0"/>
+              <a:t> </a:t>
+            </a:r>
+            <a:r>
+              <a:rPr lang="en-US" altLang="ja-JP" dirty="0" err="1"/>
+              <a:t>Nghiệp</a:t>
+            </a:r>
+            <a:r>
+              <a:rPr lang="en-US" altLang="ja-JP" dirty="0"/>
+              <a:t>)</a:t>
+            </a:r>
+          </a:p>
+          <a:p>
+            <a:r>
+              <a:rPr lang="en-US" altLang="ja-JP" dirty="0" err="1"/>
+              <a:t>Xây</a:t>
+            </a:r>
+            <a:r>
+              <a:rPr lang="en-US" altLang="ja-JP" dirty="0"/>
+              <a:t> </a:t>
+            </a:r>
+            <a:r>
+              <a:rPr lang="en-US" altLang="ja-JP" dirty="0" err="1"/>
+              <a:t>dựng</a:t>
+            </a:r>
+            <a:r>
+              <a:rPr lang="en-US" altLang="ja-JP" dirty="0"/>
+              <a:t> </a:t>
+            </a:r>
+            <a:r>
+              <a:rPr lang="en-US" altLang="ja-JP" dirty="0" err="1"/>
+              <a:t>phát</a:t>
+            </a:r>
+            <a:r>
+              <a:rPr lang="en-US" altLang="ja-JP" dirty="0"/>
+              <a:t> </a:t>
+            </a:r>
+            <a:r>
+              <a:rPr lang="en-US" altLang="ja-JP" dirty="0" err="1"/>
+              <a:t>hiện</a:t>
+            </a:r>
+            <a:r>
+              <a:rPr lang="en-US" altLang="ja-JP" dirty="0"/>
+              <a:t> </a:t>
+            </a:r>
+            <a:r>
+              <a:rPr lang="en-US" altLang="ja-JP" dirty="0" err="1"/>
+              <a:t>bạo</a:t>
+            </a:r>
+            <a:r>
+              <a:rPr lang="en-US" altLang="ja-JP" dirty="0"/>
+              <a:t> </a:t>
+            </a:r>
+            <a:r>
+              <a:rPr lang="en-US" altLang="ja-JP" dirty="0" err="1"/>
+              <a:t>lực</a:t>
+            </a:r>
+            <a:r>
+              <a:rPr lang="en-US" altLang="ja-JP" dirty="0"/>
+              <a:t> </a:t>
+            </a:r>
+            <a:r>
+              <a:rPr lang="en-US" altLang="ja-JP" dirty="0" err="1"/>
+              <a:t>học</a:t>
+            </a:r>
+            <a:r>
+              <a:rPr lang="en-US" altLang="ja-JP" dirty="0"/>
+              <a:t> </a:t>
+            </a:r>
+            <a:r>
+              <a:rPr lang="en-US" altLang="ja-JP" dirty="0" err="1"/>
+              <a:t>đường</a:t>
+            </a:r>
+            <a:r>
+              <a:rPr lang="en-US" altLang="ja-JP" dirty="0"/>
+              <a:t> (</a:t>
+            </a:r>
+            <a:r>
+              <a:rPr lang="en-US" altLang="ja-JP" dirty="0" err="1"/>
+              <a:t>Văn</a:t>
+            </a:r>
+            <a:r>
+              <a:rPr lang="en-US" altLang="ja-JP" dirty="0"/>
+              <a:t> </a:t>
+            </a:r>
+            <a:r>
+              <a:rPr lang="en-US" altLang="ja-JP" dirty="0" err="1"/>
+              <a:t>Phúc</a:t>
+            </a:r>
+            <a:r>
+              <a:rPr lang="en-US" altLang="ja-JP" dirty="0"/>
+              <a:t>)</a:t>
+            </a:r>
+          </a:p>
+          <a:p>
+            <a:r>
+              <a:rPr lang="en-US" altLang="ja-JP" dirty="0"/>
+              <a:t>HP OMEN: 3d pose -&gt; </a:t>
+            </a:r>
+            <a:r>
+              <a:rPr lang="en-US" altLang="ja-JP" dirty="0" err="1"/>
+              <a:t>phát</a:t>
+            </a:r>
+            <a:r>
+              <a:rPr lang="en-US" altLang="ja-JP" dirty="0"/>
+              <a:t> </a:t>
+            </a:r>
+            <a:r>
+              <a:rPr lang="en-US" altLang="ja-JP" dirty="0" err="1"/>
+              <a:t>hiện</a:t>
+            </a:r>
+            <a:r>
+              <a:rPr lang="en-US" altLang="ja-JP" dirty="0"/>
+              <a:t> </a:t>
+            </a:r>
+            <a:r>
+              <a:rPr lang="en-US" altLang="ja-JP" dirty="0" err="1"/>
+              <a:t>tư</a:t>
+            </a:r>
+            <a:r>
+              <a:rPr lang="en-US" altLang="ja-JP" dirty="0"/>
+              <a:t> </a:t>
+            </a:r>
+            <a:r>
+              <a:rPr lang="en-US" altLang="ja-JP" dirty="0" err="1"/>
+              <a:t>thế</a:t>
+            </a:r>
+            <a:r>
+              <a:rPr lang="en-US" altLang="ja-JP" dirty="0"/>
+              <a:t> </a:t>
+            </a:r>
+            <a:r>
+              <a:rPr lang="en-US" altLang="ja-JP" dirty="0" err="1"/>
+              <a:t>của</a:t>
+            </a:r>
+            <a:r>
+              <a:rPr lang="en-US" altLang="ja-JP" dirty="0"/>
+              <a:t> </a:t>
+            </a:r>
+            <a:r>
+              <a:rPr lang="en-US" altLang="ja-JP" dirty="0" err="1"/>
+              <a:t>người</a:t>
+            </a:r>
+            <a:r>
+              <a:rPr lang="en-US" altLang="ja-JP" dirty="0"/>
+              <a:t> </a:t>
+            </a:r>
+            <a:r>
+              <a:rPr lang="en-US" altLang="ja-JP" dirty="0" err="1"/>
+              <a:t>cảnh</a:t>
+            </a:r>
+            <a:r>
+              <a:rPr lang="en-US" altLang="ja-JP" dirty="0"/>
+              <a:t> </a:t>
+            </a:r>
+            <a:r>
+              <a:rPr lang="en-US" altLang="ja-JP" dirty="0" err="1"/>
+              <a:t>sát</a:t>
+            </a:r>
+            <a:r>
+              <a:rPr lang="en-US" altLang="ja-JP" dirty="0"/>
+              <a:t> </a:t>
+            </a:r>
+            <a:r>
+              <a:rPr lang="en-US" altLang="ja-JP" dirty="0" err="1"/>
+              <a:t>giao</a:t>
+            </a:r>
+            <a:r>
+              <a:rPr lang="en-US" altLang="ja-JP" dirty="0"/>
+              <a:t> </a:t>
+            </a:r>
+            <a:r>
+              <a:rPr lang="en-US" altLang="ja-JP" dirty="0" err="1"/>
+              <a:t>thông</a:t>
+            </a:r>
+            <a:endParaRPr lang="en-US" altLang="ja-JP" dirty="0"/>
+          </a:p>
+          <a:p>
+            <a:r>
+              <a:rPr lang="en-US" altLang="ja-JP" dirty="0" err="1"/>
+              <a:t>Tuấn</a:t>
+            </a:r>
+            <a:r>
+              <a:rPr lang="en-US" altLang="ja-JP" dirty="0"/>
+              <a:t> Nguyễn: </a:t>
+            </a:r>
+            <a:r>
+              <a:rPr lang="en-US" altLang="ja-JP" dirty="0" err="1"/>
+              <a:t>phát</a:t>
+            </a:r>
+            <a:r>
+              <a:rPr lang="en-US" altLang="ja-JP" dirty="0"/>
+              <a:t> </a:t>
+            </a:r>
+            <a:r>
+              <a:rPr lang="en-US" altLang="ja-JP" dirty="0" err="1"/>
+              <a:t>hiện</a:t>
+            </a:r>
+            <a:r>
+              <a:rPr lang="en-US" altLang="ja-JP" dirty="0"/>
+              <a:t> </a:t>
+            </a:r>
+            <a:r>
+              <a:rPr lang="en-US" altLang="ja-JP" dirty="0" err="1"/>
+              <a:t>những</a:t>
+            </a:r>
+            <a:r>
+              <a:rPr lang="en-US" altLang="ja-JP" dirty="0"/>
+              <a:t> </a:t>
+            </a:r>
+            <a:r>
+              <a:rPr lang="en-US" altLang="ja-JP" dirty="0" err="1"/>
+              <a:t>hành</a:t>
+            </a:r>
+            <a:r>
+              <a:rPr lang="en-US" altLang="ja-JP" dirty="0"/>
+              <a:t> </a:t>
+            </a:r>
+            <a:r>
+              <a:rPr lang="en-US" altLang="ja-JP" dirty="0" err="1"/>
+              <a:t>động</a:t>
+            </a:r>
+            <a:r>
+              <a:rPr lang="en-US" altLang="ja-JP" dirty="0"/>
+              <a:t> </a:t>
+            </a:r>
+            <a:r>
+              <a:rPr lang="en-US" altLang="ja-JP" dirty="0" err="1"/>
+              <a:t>bất</a:t>
+            </a:r>
+            <a:r>
+              <a:rPr lang="en-US" altLang="ja-JP" dirty="0"/>
+              <a:t> </a:t>
+            </a:r>
+            <a:r>
+              <a:rPr lang="en-US" altLang="ja-JP" dirty="0" err="1"/>
+              <a:t>thường</a:t>
+            </a:r>
+            <a:r>
+              <a:rPr lang="en-US" altLang="ja-JP" dirty="0"/>
+              <a:t> </a:t>
+            </a:r>
+          </a:p>
+          <a:p>
+            <a:r>
+              <a:rPr lang="en-US" altLang="ja-JP" dirty="0" err="1"/>
+              <a:t>Công</a:t>
+            </a:r>
+            <a:r>
+              <a:rPr lang="en-US" altLang="ja-JP" dirty="0"/>
+              <a:t> </a:t>
+            </a:r>
+            <a:r>
+              <a:rPr lang="en-US" altLang="ja-JP" dirty="0" err="1"/>
+              <a:t>xưởng</a:t>
+            </a:r>
+            <a:endParaRPr lang="en-US" altLang="ja-JP" dirty="0"/>
+          </a:p>
+          <a:p>
+            <a:pPr lvl="1"/>
+            <a:r>
+              <a:rPr lang="en-US" altLang="ja-JP" dirty="0" err="1"/>
+              <a:t>Phát</a:t>
+            </a:r>
+            <a:r>
+              <a:rPr lang="en-US" altLang="ja-JP" dirty="0"/>
+              <a:t> </a:t>
+            </a:r>
+            <a:r>
+              <a:rPr lang="en-US" altLang="ja-JP" dirty="0" err="1"/>
+              <a:t>hiện</a:t>
+            </a:r>
+            <a:r>
+              <a:rPr lang="en-US" altLang="ja-JP" dirty="0"/>
+              <a:t> </a:t>
+            </a:r>
+            <a:r>
+              <a:rPr lang="en-US" altLang="ja-JP" dirty="0" err="1"/>
+              <a:t>thao</a:t>
+            </a:r>
+            <a:r>
+              <a:rPr lang="en-US" altLang="ja-JP" dirty="0"/>
+              <a:t> </a:t>
+            </a:r>
+            <a:r>
+              <a:rPr lang="en-US" altLang="ja-JP" dirty="0" err="1"/>
+              <a:t>tác</a:t>
+            </a:r>
+            <a:r>
+              <a:rPr lang="en-US" altLang="ja-JP" dirty="0"/>
+              <a:t> </a:t>
+            </a:r>
+            <a:r>
+              <a:rPr lang="en-US" altLang="ja-JP" dirty="0" err="1"/>
+              <a:t>máy</a:t>
+            </a:r>
+            <a:r>
+              <a:rPr lang="en-US" altLang="ja-JP" dirty="0"/>
+              <a:t> </a:t>
             </a:r>
             <a:r>
               <a:rPr lang="en-US" altLang="ja-JP" dirty="0" err="1"/>
@@ -4255,44 +4581,35 @@
             </a:r>
             <a:r>
               <a:rPr lang="en-US" altLang="ja-JP" dirty="0" err="1"/>
-              <a:t>người</a:t>
-            </a:r>
-            <a:r>
-              <a:rPr lang="en-US" altLang="ja-JP" dirty="0"/>
-              <a:t> </a:t>
-            </a:r>
-            <a:r>
-              <a:rPr lang="en-US" altLang="ja-JP" dirty="0" err="1"/>
-              <a:t>đánh</a:t>
-            </a:r>
-            <a:r>
-              <a:rPr lang="en-US" altLang="ja-JP" dirty="0"/>
-              <a:t> </a:t>
-            </a:r>
-            <a:r>
-              <a:rPr lang="en-US" altLang="ja-JP" dirty="0" err="1"/>
-              <a:t>nhau</a:t>
-            </a:r>
-            <a:r>
-              <a:rPr lang="en-US" altLang="ja-JP" dirty="0"/>
-              <a:t> hay </a:t>
-            </a:r>
-            <a:r>
-              <a:rPr lang="en-US" altLang="ja-JP" dirty="0" err="1"/>
-              <a:t>không</a:t>
-            </a:r>
-            <a:r>
-              <a:rPr lang="en-US" altLang="ja-JP" dirty="0"/>
-              <a:t>?</a:t>
-            </a:r>
-            <a:endParaRPr kumimoji="1" lang="ja-JP" altLang="en-US" dirty="0"/>
+              <a:t>đúng</a:t>
+            </a:r>
+            <a:r>
+              <a:rPr lang="en-US" altLang="ja-JP" dirty="0"/>
+              <a:t> hay ko?</a:t>
+            </a:r>
+          </a:p>
+          <a:p>
+            <a:pPr lvl="1"/>
+            <a:r>
+              <a:rPr lang="en-US" altLang="ja-JP" dirty="0" err="1"/>
+              <a:t>Chấm</a:t>
+            </a:r>
+            <a:r>
+              <a:rPr lang="en-US" altLang="ja-JP" dirty="0"/>
+              <a:t> </a:t>
+            </a:r>
+            <a:r>
+              <a:rPr lang="en-US" altLang="ja-JP" dirty="0" err="1"/>
+              <a:t>công</a:t>
+            </a:r>
+            <a:endParaRPr lang="en-US" altLang="ja-JP" dirty="0"/>
           </a:p>
         </p:txBody>
       </p:sp>
     </p:spTree>
     <p:extLst>
       <p:ext uri="{BB962C8B-B14F-4D97-AF65-F5344CB8AC3E}">
-        <p14:creationId xmlns:p14="http://schemas.microsoft.com/office/powerpoint/2010/main" val="3119698561"/>
+        <p14:creationId xmlns:p14="http://schemas.microsoft.com/office/powerpoint/2010/main" val="3357503522"/>
       </p:ext>
     </p:extLst>
   </p:cSld>
@@ -4324,7 +4641,7 @@
           <p:cNvPr id="2" name="タイトル 1">
             <a:extLst>
               <a:ext uri="{FF2B5EF4-FFF2-40B4-BE49-F238E27FC236}">
-                <a16:creationId xmlns:a16="http://schemas.microsoft.com/office/drawing/2014/main" id="{148ACF7B-B641-45E6-BF36-51BA6E415AB8}"/>
+                <a16:creationId xmlns:a16="http://schemas.microsoft.com/office/drawing/2014/main" id="{623A6F44-362E-481B-B72F-0B71508BFE3A}"/>
               </a:ext>
             </a:extLst>
           </p:cNvPr>
@@ -4342,6 +4659,194 @@
           <a:p>
             <a:r>
               <a:rPr kumimoji="1" lang="en-US" altLang="ja-JP" dirty="0" err="1"/>
+              <a:t>Cùng</a:t>
+            </a:r>
+            <a:r>
+              <a:rPr kumimoji="1" lang="en-US" altLang="ja-JP" dirty="0"/>
+              <a:t> </a:t>
+            </a:r>
+            <a:r>
+              <a:rPr kumimoji="1" lang="en-US" altLang="ja-JP" dirty="0" err="1"/>
+              <a:t>suy</a:t>
+            </a:r>
+            <a:r>
+              <a:rPr kumimoji="1" lang="en-US" altLang="ja-JP" dirty="0"/>
+              <a:t> </a:t>
+            </a:r>
+            <a:r>
+              <a:rPr kumimoji="1" lang="en-US" altLang="ja-JP" dirty="0" err="1"/>
+              <a:t>nghĩ</a:t>
+            </a:r>
+            <a:r>
+              <a:rPr kumimoji="1" lang="en-US" altLang="ja-JP" dirty="0"/>
+              <a:t> </a:t>
+            </a:r>
+            <a:r>
+              <a:rPr kumimoji="1" lang="en-US" altLang="ja-JP" dirty="0" err="1"/>
+              <a:t>về</a:t>
+            </a:r>
+            <a:r>
+              <a:rPr kumimoji="1" lang="en-US" altLang="ja-JP" dirty="0"/>
+              <a:t> application </a:t>
+            </a:r>
+            <a:r>
+              <a:rPr kumimoji="1" lang="en-US" altLang="ja-JP" dirty="0" err="1"/>
+              <a:t>cho</a:t>
+            </a:r>
+            <a:r>
+              <a:rPr kumimoji="1" lang="en-US" altLang="ja-JP" dirty="0"/>
+              <a:t> </a:t>
+            </a:r>
+            <a:r>
+              <a:rPr kumimoji="1" lang="en-US" altLang="ja-JP" dirty="0" err="1"/>
+              <a:t>openpose</a:t>
+            </a:r>
+            <a:endParaRPr kumimoji="1" lang="ja-JP" altLang="en-US" dirty="0"/>
+          </a:p>
+        </p:txBody>
+      </p:sp>
+      <p:sp>
+        <p:nvSpPr>
+          <p:cNvPr id="3" name="コンテンツ プレースホルダー 2">
+            <a:extLst>
+              <a:ext uri="{FF2B5EF4-FFF2-40B4-BE49-F238E27FC236}">
+                <a16:creationId xmlns:a16="http://schemas.microsoft.com/office/drawing/2014/main" id="{83CE4B54-AB28-48B9-A9D0-9FFB2CA68B99}"/>
+              </a:ext>
+            </a:extLst>
+          </p:cNvPr>
+          <p:cNvSpPr>
+            <a:spLocks noGrp="1"/>
+          </p:cNvSpPr>
+          <p:nvPr>
+            <p:ph idx="1"/>
+          </p:nvPr>
+        </p:nvSpPr>
+        <p:spPr/>
+        <p:txBody>
+          <a:bodyPr/>
+          <a:lstStyle/>
+          <a:p>
+            <a:r>
+              <a:rPr lang="en-US" altLang="ja-JP" dirty="0" err="1"/>
+              <a:t>Muốn</a:t>
+            </a:r>
+            <a:r>
+              <a:rPr lang="en-US" altLang="ja-JP" dirty="0"/>
+              <a:t> detect </a:t>
+            </a:r>
+            <a:r>
+              <a:rPr lang="en-US" altLang="ja-JP" dirty="0" err="1"/>
+              <a:t>xem</a:t>
+            </a:r>
+            <a:r>
+              <a:rPr lang="en-US" altLang="ja-JP" dirty="0"/>
+              <a:t> </a:t>
+            </a:r>
+            <a:r>
+              <a:rPr lang="en-US" altLang="ja-JP" dirty="0" err="1"/>
+              <a:t>trong</a:t>
+            </a:r>
+            <a:r>
+              <a:rPr lang="en-US" altLang="ja-JP" dirty="0"/>
+              <a:t> video </a:t>
+            </a:r>
+            <a:r>
+              <a:rPr lang="en-US" altLang="ja-JP" dirty="0" err="1"/>
+              <a:t>có</a:t>
+            </a:r>
+            <a:r>
+              <a:rPr lang="en-US" altLang="ja-JP" dirty="0"/>
+              <a:t> </a:t>
+            </a:r>
+            <a:r>
+              <a:rPr lang="en-US" altLang="ja-JP" dirty="0" err="1"/>
+              <a:t>người</a:t>
+            </a:r>
+            <a:r>
+              <a:rPr lang="en-US" altLang="ja-JP" dirty="0"/>
+              <a:t> </a:t>
+            </a:r>
+            <a:r>
+              <a:rPr lang="en-US" altLang="ja-JP" dirty="0" err="1"/>
+              <a:t>đánh</a:t>
+            </a:r>
+            <a:r>
+              <a:rPr lang="en-US" altLang="ja-JP" dirty="0"/>
+              <a:t> </a:t>
+            </a:r>
+            <a:r>
+              <a:rPr lang="en-US" altLang="ja-JP" dirty="0" err="1"/>
+              <a:t>nhau</a:t>
+            </a:r>
+            <a:r>
+              <a:rPr lang="en-US" altLang="ja-JP" dirty="0"/>
+              <a:t> hay </a:t>
+            </a:r>
+            <a:r>
+              <a:rPr lang="en-US" altLang="ja-JP" dirty="0" err="1"/>
+              <a:t>không</a:t>
+            </a:r>
+            <a:r>
+              <a:rPr lang="en-US" altLang="ja-JP" dirty="0"/>
+              <a:t>?</a:t>
+            </a:r>
+            <a:endParaRPr kumimoji="1" lang="ja-JP" altLang="en-US" dirty="0"/>
+          </a:p>
+        </p:txBody>
+      </p:sp>
+    </p:spTree>
+    <p:extLst>
+      <p:ext uri="{BB962C8B-B14F-4D97-AF65-F5344CB8AC3E}">
+        <p14:creationId xmlns:p14="http://schemas.microsoft.com/office/powerpoint/2010/main" val="3119698561"/>
+      </p:ext>
+    </p:extLst>
+  </p:cSld>
+  <p:clrMapOvr>
+    <a:masterClrMapping/>
+  </p:clrMapOvr>
+</p:sld>
+</file>
+
+<file path=ppt/slides/slide12.xml><?xml version="1.0" encoding="utf-8"?>
+<p:sld xmlns:a="http://schemas.openxmlformats.org/drawingml/2006/main" xmlns:r="http://schemas.openxmlformats.org/officeDocument/2006/relationships" xmlns:p="http://schemas.openxmlformats.org/presentationml/2006/main">
+  <p:cSld>
+    <p:spTree>
+      <p:nvGrpSpPr>
+        <p:cNvPr id="1" name=""/>
+        <p:cNvGrpSpPr/>
+        <p:nvPr/>
+      </p:nvGrpSpPr>
+      <p:grpSpPr>
+        <a:xfrm>
+          <a:off x="0" y="0"/>
+          <a:ext cx="0" cy="0"/>
+          <a:chOff x="0" y="0"/>
+          <a:chExt cx="0" cy="0"/>
+        </a:xfrm>
+      </p:grpSpPr>
+      <p:sp>
+        <p:nvSpPr>
+          <p:cNvPr id="2" name="タイトル 1">
+            <a:extLst>
+              <a:ext uri="{FF2B5EF4-FFF2-40B4-BE49-F238E27FC236}">
+                <a16:creationId xmlns:a16="http://schemas.microsoft.com/office/drawing/2014/main" id="{148ACF7B-B641-45E6-BF36-51BA6E415AB8}"/>
+              </a:ext>
+            </a:extLst>
+          </p:cNvPr>
+          <p:cNvSpPr>
+            <a:spLocks noGrp="1"/>
+          </p:cNvSpPr>
+          <p:nvPr>
+            <p:ph type="title"/>
+          </p:nvPr>
+        </p:nvSpPr>
+        <p:spPr/>
+        <p:txBody>
+          <a:bodyPr/>
+          <a:lstStyle/>
+          <a:p>
+            <a:r>
+              <a:rPr kumimoji="1" lang="en-US" altLang="ja-JP" dirty="0" err="1"/>
               <a:t>Công</a:t>
             </a:r>
             <a:r>
@@ -4396,7 +4901,12 @@
             <p:ph idx="1"/>
           </p:nvPr>
         </p:nvSpPr>
-        <p:spPr/>
+        <p:spPr>
+          <a:xfrm>
+            <a:off x="838200" y="1803633"/>
+            <a:ext cx="10515600" cy="4373330"/>
+          </a:xfrm>
+        </p:spPr>
         <p:txBody>
           <a:bodyPr>
             <a:normAutofit fontScale="92500" lnSpcReduction="10000"/>
@@ -5993,7 +6503,7 @@
         <p:spPr/>
         <p:txBody>
           <a:bodyPr>
-            <a:normAutofit lnSpcReduction="10000"/>
+            <a:normAutofit fontScale="92500" lnSpcReduction="10000"/>
           </a:bodyPr>
           <a:lstStyle/>
           <a:p>
@@ -6084,6 +6594,13 @@
               <a:t>Xception</a:t>
             </a:r>
             <a:endParaRPr kumimoji="1" lang="en-US" altLang="ja-JP" dirty="0"/>
+          </a:p>
+          <a:p>
+            <a:pPr lvl="1"/>
+            <a:r>
+              <a:rPr kumimoji="1" lang="en-US" altLang="ja-JP" dirty="0"/>
+              <a:t>Loss function</a:t>
+            </a:r>
           </a:p>
           <a:p>
             <a:pPr lvl="1"/>
